--- a/assets/img/CW23.pptx
+++ b/assets/img/CW23.pptx
@@ -3598,7 +3598,7 @@
               <a:rPr lang="en-US" sz="2900" dirty="0">
                 <a:latin typeface="+mj-lt"/>
               </a:rPr>
-              <a:t>July 24 – 27, 2022</a:t>
+              <a:t>July 24 – 27, 2023</a:t>
             </a:r>
           </a:p>
         </p:txBody>
